--- a/ppt 16-9/0433.赶快传道.pptx
+++ b/ppt 16-9/0433.赶快传道.pptx
@@ -129,7 +129,7 @@
           <p:cNvPr id="2" name="标题 1">
             <a:extLst>
               <a:ext uri="{FF2B5EF4-FFF2-40B4-BE49-F238E27FC236}">
-                <a16:creationId xmlns:a16="http://schemas.microsoft.com/office/drawing/2014/main" id="{AA26964C-0573-F77F-42F2-E5020DE0F139}"/>
+                <a16:creationId xmlns:a16="http://schemas.microsoft.com/office/drawing/2014/main" id="{CC636481-97A2-CB82-1D2A-1461C99E12BE}"/>
               </a:ext>
             </a:extLst>
           </p:cNvPr>
@@ -166,7 +166,7 @@
           <p:cNvPr id="3" name="副标题 2">
             <a:extLst>
               <a:ext uri="{FF2B5EF4-FFF2-40B4-BE49-F238E27FC236}">
-                <a16:creationId xmlns:a16="http://schemas.microsoft.com/office/drawing/2014/main" id="{6BB0E323-5145-45CA-ADDE-4380E5EAD8B7}"/>
+                <a16:creationId xmlns:a16="http://schemas.microsoft.com/office/drawing/2014/main" id="{93CBA096-8DFA-E390-A035-E25105951352}"/>
               </a:ext>
             </a:extLst>
           </p:cNvPr>
@@ -236,7 +236,7 @@
           <p:cNvPr id="4" name="日期占位符 3">
             <a:extLst>
               <a:ext uri="{FF2B5EF4-FFF2-40B4-BE49-F238E27FC236}">
-                <a16:creationId xmlns:a16="http://schemas.microsoft.com/office/drawing/2014/main" id="{B4CB2045-04CB-1DC9-DE99-B1686DD16409}"/>
+                <a16:creationId xmlns:a16="http://schemas.microsoft.com/office/drawing/2014/main" id="{44E42566-2908-458C-707E-CBF557C1540C}"/>
               </a:ext>
             </a:extLst>
           </p:cNvPr>
@@ -252,7 +252,7 @@
           <a:bodyPr/>
           <a:lstStyle/>
           <a:p>
-            <a:fld id="{042716CA-B76C-4B3D-8329-B811686577B1}" type="datetimeFigureOut">
+            <a:fld id="{75CE852E-4A45-4A31-9924-84237ACA0CBB}" type="datetimeFigureOut">
               <a:rPr lang="zh-CN" altLang="en-US" smtClean="0"/>
               <a:t>2024/3/10</a:t>
             </a:fld>
@@ -265,7 +265,7 @@
           <p:cNvPr id="5" name="页脚占位符 4">
             <a:extLst>
               <a:ext uri="{FF2B5EF4-FFF2-40B4-BE49-F238E27FC236}">
-                <a16:creationId xmlns:a16="http://schemas.microsoft.com/office/drawing/2014/main" id="{ECE86377-CF5E-EEFF-F330-24C6679B8B14}"/>
+                <a16:creationId xmlns:a16="http://schemas.microsoft.com/office/drawing/2014/main" id="{BB994DCD-933C-73ED-6EB5-29CA5D5CF4FF}"/>
               </a:ext>
             </a:extLst>
           </p:cNvPr>
@@ -290,7 +290,7 @@
           <p:cNvPr id="6" name="灯片编号占位符 5">
             <a:extLst>
               <a:ext uri="{FF2B5EF4-FFF2-40B4-BE49-F238E27FC236}">
-                <a16:creationId xmlns:a16="http://schemas.microsoft.com/office/drawing/2014/main" id="{0B514319-D0E3-4A8C-A4CB-0B7BC8062CA2}"/>
+                <a16:creationId xmlns:a16="http://schemas.microsoft.com/office/drawing/2014/main" id="{90313B1B-4F36-106E-7F22-5A9B64A928E0}"/>
               </a:ext>
             </a:extLst>
           </p:cNvPr>
@@ -306,7 +306,7 @@
           <a:bodyPr/>
           <a:lstStyle/>
           <a:p>
-            <a:fld id="{E4F4E23A-B713-4898-96D1-8900DE3685B0}" type="slidenum">
+            <a:fld id="{9935C02F-4C42-4A09-BE77-F60F054A4BE6}" type="slidenum">
               <a:rPr lang="zh-CN" altLang="en-US" smtClean="0"/>
               <a:t>‹#›</a:t>
             </a:fld>
@@ -317,7 +317,7 @@
     </p:spTree>
     <p:extLst>
       <p:ext uri="{BB962C8B-B14F-4D97-AF65-F5344CB8AC3E}">
-        <p14:creationId xmlns:p14="http://schemas.microsoft.com/office/powerpoint/2010/main" val="4146711029"/>
+        <p14:creationId xmlns:p14="http://schemas.microsoft.com/office/powerpoint/2010/main" val="1528461998"/>
       </p:ext>
     </p:extLst>
   </p:cSld>
@@ -349,7 +349,7 @@
           <p:cNvPr id="2" name="标题 1">
             <a:extLst>
               <a:ext uri="{FF2B5EF4-FFF2-40B4-BE49-F238E27FC236}">
-                <a16:creationId xmlns:a16="http://schemas.microsoft.com/office/drawing/2014/main" id="{7B1314AD-52FD-2F3E-8CB3-1BDB59265B4C}"/>
+                <a16:creationId xmlns:a16="http://schemas.microsoft.com/office/drawing/2014/main" id="{0861A61C-5214-890F-6550-0675BE40171E}"/>
               </a:ext>
             </a:extLst>
           </p:cNvPr>
@@ -377,7 +377,7 @@
           <p:cNvPr id="3" name="竖排文字占位符 2">
             <a:extLst>
               <a:ext uri="{FF2B5EF4-FFF2-40B4-BE49-F238E27FC236}">
-                <a16:creationId xmlns:a16="http://schemas.microsoft.com/office/drawing/2014/main" id="{C39411AF-241B-7322-3122-78B1A2F7C255}"/>
+                <a16:creationId xmlns:a16="http://schemas.microsoft.com/office/drawing/2014/main" id="{D4071298-63CB-EE38-7453-069039DBF26F}"/>
               </a:ext>
             </a:extLst>
           </p:cNvPr>
@@ -434,7 +434,7 @@
           <p:cNvPr id="4" name="日期占位符 3">
             <a:extLst>
               <a:ext uri="{FF2B5EF4-FFF2-40B4-BE49-F238E27FC236}">
-                <a16:creationId xmlns:a16="http://schemas.microsoft.com/office/drawing/2014/main" id="{A9EC56F3-B0F2-2E2B-0D22-4DC93790D323}"/>
+                <a16:creationId xmlns:a16="http://schemas.microsoft.com/office/drawing/2014/main" id="{D25B65F3-02CE-9958-DC75-C5A69B8515F2}"/>
               </a:ext>
             </a:extLst>
           </p:cNvPr>
@@ -450,7 +450,7 @@
           <a:bodyPr/>
           <a:lstStyle/>
           <a:p>
-            <a:fld id="{042716CA-B76C-4B3D-8329-B811686577B1}" type="datetimeFigureOut">
+            <a:fld id="{75CE852E-4A45-4A31-9924-84237ACA0CBB}" type="datetimeFigureOut">
               <a:rPr lang="zh-CN" altLang="en-US" smtClean="0"/>
               <a:t>2024/3/10</a:t>
             </a:fld>
@@ -463,7 +463,7 @@
           <p:cNvPr id="5" name="页脚占位符 4">
             <a:extLst>
               <a:ext uri="{FF2B5EF4-FFF2-40B4-BE49-F238E27FC236}">
-                <a16:creationId xmlns:a16="http://schemas.microsoft.com/office/drawing/2014/main" id="{43D9E534-8DE0-F876-576E-382FFFA824B9}"/>
+                <a16:creationId xmlns:a16="http://schemas.microsoft.com/office/drawing/2014/main" id="{BAD39341-8658-C8A8-896F-34191F109411}"/>
               </a:ext>
             </a:extLst>
           </p:cNvPr>
@@ -488,7 +488,7 @@
           <p:cNvPr id="6" name="灯片编号占位符 5">
             <a:extLst>
               <a:ext uri="{FF2B5EF4-FFF2-40B4-BE49-F238E27FC236}">
-                <a16:creationId xmlns:a16="http://schemas.microsoft.com/office/drawing/2014/main" id="{53E88770-F043-1974-67D5-015E6F6C594C}"/>
+                <a16:creationId xmlns:a16="http://schemas.microsoft.com/office/drawing/2014/main" id="{0F57AC73-F102-786A-EDC3-ADF57EBAA979}"/>
               </a:ext>
             </a:extLst>
           </p:cNvPr>
@@ -504,7 +504,7 @@
           <a:bodyPr/>
           <a:lstStyle/>
           <a:p>
-            <a:fld id="{E4F4E23A-B713-4898-96D1-8900DE3685B0}" type="slidenum">
+            <a:fld id="{9935C02F-4C42-4A09-BE77-F60F054A4BE6}" type="slidenum">
               <a:rPr lang="zh-CN" altLang="en-US" smtClean="0"/>
               <a:t>‹#›</a:t>
             </a:fld>
@@ -515,7 +515,7 @@
     </p:spTree>
     <p:extLst>
       <p:ext uri="{BB962C8B-B14F-4D97-AF65-F5344CB8AC3E}">
-        <p14:creationId xmlns:p14="http://schemas.microsoft.com/office/powerpoint/2010/main" val="3861906189"/>
+        <p14:creationId xmlns:p14="http://schemas.microsoft.com/office/powerpoint/2010/main" val="2740111962"/>
       </p:ext>
     </p:extLst>
   </p:cSld>
@@ -547,7 +547,7 @@
           <p:cNvPr id="2" name="竖排标题 1">
             <a:extLst>
               <a:ext uri="{FF2B5EF4-FFF2-40B4-BE49-F238E27FC236}">
-                <a16:creationId xmlns:a16="http://schemas.microsoft.com/office/drawing/2014/main" id="{3A148AFE-D291-91DA-9D61-6F986FB00EB4}"/>
+                <a16:creationId xmlns:a16="http://schemas.microsoft.com/office/drawing/2014/main" id="{8F5D1831-BE6E-1E9C-1245-33FC88EAF7BC}"/>
               </a:ext>
             </a:extLst>
           </p:cNvPr>
@@ -580,7 +580,7 @@
           <p:cNvPr id="3" name="竖排文字占位符 2">
             <a:extLst>
               <a:ext uri="{FF2B5EF4-FFF2-40B4-BE49-F238E27FC236}">
-                <a16:creationId xmlns:a16="http://schemas.microsoft.com/office/drawing/2014/main" id="{B886DDCA-44D6-7B06-CCAA-AD4B070CEFDA}"/>
+                <a16:creationId xmlns:a16="http://schemas.microsoft.com/office/drawing/2014/main" id="{FCDF492B-B4FF-2CDA-B4C7-6731131E2A6F}"/>
               </a:ext>
             </a:extLst>
           </p:cNvPr>
@@ -642,7 +642,7 @@
           <p:cNvPr id="4" name="日期占位符 3">
             <a:extLst>
               <a:ext uri="{FF2B5EF4-FFF2-40B4-BE49-F238E27FC236}">
-                <a16:creationId xmlns:a16="http://schemas.microsoft.com/office/drawing/2014/main" id="{2A7E7BAE-A776-4D2C-90C9-C75FBA6840E5}"/>
+                <a16:creationId xmlns:a16="http://schemas.microsoft.com/office/drawing/2014/main" id="{FA41FD65-B836-71E2-F815-0B166CBDE81B}"/>
               </a:ext>
             </a:extLst>
           </p:cNvPr>
@@ -658,7 +658,7 @@
           <a:bodyPr/>
           <a:lstStyle/>
           <a:p>
-            <a:fld id="{042716CA-B76C-4B3D-8329-B811686577B1}" type="datetimeFigureOut">
+            <a:fld id="{75CE852E-4A45-4A31-9924-84237ACA0CBB}" type="datetimeFigureOut">
               <a:rPr lang="zh-CN" altLang="en-US" smtClean="0"/>
               <a:t>2024/3/10</a:t>
             </a:fld>
@@ -671,7 +671,7 @@
           <p:cNvPr id="5" name="页脚占位符 4">
             <a:extLst>
               <a:ext uri="{FF2B5EF4-FFF2-40B4-BE49-F238E27FC236}">
-                <a16:creationId xmlns:a16="http://schemas.microsoft.com/office/drawing/2014/main" id="{8A364D79-3D98-B6C8-3335-F9C74B0D0BE1}"/>
+                <a16:creationId xmlns:a16="http://schemas.microsoft.com/office/drawing/2014/main" id="{E8684FBA-5D38-EB7F-380F-115C4E949A88}"/>
               </a:ext>
             </a:extLst>
           </p:cNvPr>
@@ -696,7 +696,7 @@
           <p:cNvPr id="6" name="灯片编号占位符 5">
             <a:extLst>
               <a:ext uri="{FF2B5EF4-FFF2-40B4-BE49-F238E27FC236}">
-                <a16:creationId xmlns:a16="http://schemas.microsoft.com/office/drawing/2014/main" id="{7D93CAB0-C20B-590A-7414-E75570C64302}"/>
+                <a16:creationId xmlns:a16="http://schemas.microsoft.com/office/drawing/2014/main" id="{05E13E12-EEAD-4396-A491-FFDE7C7187A6}"/>
               </a:ext>
             </a:extLst>
           </p:cNvPr>
@@ -712,7 +712,7 @@
           <a:bodyPr/>
           <a:lstStyle/>
           <a:p>
-            <a:fld id="{E4F4E23A-B713-4898-96D1-8900DE3685B0}" type="slidenum">
+            <a:fld id="{9935C02F-4C42-4A09-BE77-F60F054A4BE6}" type="slidenum">
               <a:rPr lang="zh-CN" altLang="en-US" smtClean="0"/>
               <a:t>‹#›</a:t>
             </a:fld>
@@ -723,7 +723,7 @@
     </p:spTree>
     <p:extLst>
       <p:ext uri="{BB962C8B-B14F-4D97-AF65-F5344CB8AC3E}">
-        <p14:creationId xmlns:p14="http://schemas.microsoft.com/office/powerpoint/2010/main" val="1122443480"/>
+        <p14:creationId xmlns:p14="http://schemas.microsoft.com/office/powerpoint/2010/main" val="1886688456"/>
       </p:ext>
     </p:extLst>
   </p:cSld>
@@ -755,7 +755,7 @@
           <p:cNvPr id="2" name="标题 1">
             <a:extLst>
               <a:ext uri="{FF2B5EF4-FFF2-40B4-BE49-F238E27FC236}">
-                <a16:creationId xmlns:a16="http://schemas.microsoft.com/office/drawing/2014/main" id="{4BCF3445-422B-E277-4933-8A0697C92070}"/>
+                <a16:creationId xmlns:a16="http://schemas.microsoft.com/office/drawing/2014/main" id="{731E7006-67BE-3A5B-59FF-64A789F05598}"/>
               </a:ext>
             </a:extLst>
           </p:cNvPr>
@@ -783,7 +783,7 @@
           <p:cNvPr id="3" name="内容占位符 2">
             <a:extLst>
               <a:ext uri="{FF2B5EF4-FFF2-40B4-BE49-F238E27FC236}">
-                <a16:creationId xmlns:a16="http://schemas.microsoft.com/office/drawing/2014/main" id="{CEC8C4E3-02A7-BAFC-0367-1C7FC03A8065}"/>
+                <a16:creationId xmlns:a16="http://schemas.microsoft.com/office/drawing/2014/main" id="{A5D3F81C-DA19-3FA8-7ADA-50D082B4C8F0}"/>
               </a:ext>
             </a:extLst>
           </p:cNvPr>
@@ -840,7 +840,7 @@
           <p:cNvPr id="4" name="日期占位符 3">
             <a:extLst>
               <a:ext uri="{FF2B5EF4-FFF2-40B4-BE49-F238E27FC236}">
-                <a16:creationId xmlns:a16="http://schemas.microsoft.com/office/drawing/2014/main" id="{3F9FEE07-7506-A4C4-E17B-DF75ADBC7CB8}"/>
+                <a16:creationId xmlns:a16="http://schemas.microsoft.com/office/drawing/2014/main" id="{B9E9B61A-B9EB-FFF3-2658-E81B30621531}"/>
               </a:ext>
             </a:extLst>
           </p:cNvPr>
@@ -856,7 +856,7 @@
           <a:bodyPr/>
           <a:lstStyle/>
           <a:p>
-            <a:fld id="{042716CA-B76C-4B3D-8329-B811686577B1}" type="datetimeFigureOut">
+            <a:fld id="{75CE852E-4A45-4A31-9924-84237ACA0CBB}" type="datetimeFigureOut">
               <a:rPr lang="zh-CN" altLang="en-US" smtClean="0"/>
               <a:t>2024/3/10</a:t>
             </a:fld>
@@ -869,7 +869,7 @@
           <p:cNvPr id="5" name="页脚占位符 4">
             <a:extLst>
               <a:ext uri="{FF2B5EF4-FFF2-40B4-BE49-F238E27FC236}">
-                <a16:creationId xmlns:a16="http://schemas.microsoft.com/office/drawing/2014/main" id="{368DF950-2644-1512-36D4-27FE4338AD8A}"/>
+                <a16:creationId xmlns:a16="http://schemas.microsoft.com/office/drawing/2014/main" id="{3688D760-020E-522F-97A3-CE173894EB49}"/>
               </a:ext>
             </a:extLst>
           </p:cNvPr>
@@ -894,7 +894,7 @@
           <p:cNvPr id="6" name="灯片编号占位符 5">
             <a:extLst>
               <a:ext uri="{FF2B5EF4-FFF2-40B4-BE49-F238E27FC236}">
-                <a16:creationId xmlns:a16="http://schemas.microsoft.com/office/drawing/2014/main" id="{F5686F35-D6B4-B3A1-878B-C6EA14B6B3DB}"/>
+                <a16:creationId xmlns:a16="http://schemas.microsoft.com/office/drawing/2014/main" id="{71E0FFB6-5F91-28CD-CC3D-68CC051BE233}"/>
               </a:ext>
             </a:extLst>
           </p:cNvPr>
@@ -910,7 +910,7 @@
           <a:bodyPr/>
           <a:lstStyle/>
           <a:p>
-            <a:fld id="{E4F4E23A-B713-4898-96D1-8900DE3685B0}" type="slidenum">
+            <a:fld id="{9935C02F-4C42-4A09-BE77-F60F054A4BE6}" type="slidenum">
               <a:rPr lang="zh-CN" altLang="en-US" smtClean="0"/>
               <a:t>‹#›</a:t>
             </a:fld>
@@ -921,7 +921,7 @@
     </p:spTree>
     <p:extLst>
       <p:ext uri="{BB962C8B-B14F-4D97-AF65-F5344CB8AC3E}">
-        <p14:creationId xmlns:p14="http://schemas.microsoft.com/office/powerpoint/2010/main" val="2245240875"/>
+        <p14:creationId xmlns:p14="http://schemas.microsoft.com/office/powerpoint/2010/main" val="1774001918"/>
       </p:ext>
     </p:extLst>
   </p:cSld>
@@ -953,7 +953,7 @@
           <p:cNvPr id="2" name="标题 1">
             <a:extLst>
               <a:ext uri="{FF2B5EF4-FFF2-40B4-BE49-F238E27FC236}">
-                <a16:creationId xmlns:a16="http://schemas.microsoft.com/office/drawing/2014/main" id="{600AC101-EF08-B254-13A4-CD5CF06C16D2}"/>
+                <a16:creationId xmlns:a16="http://schemas.microsoft.com/office/drawing/2014/main" id="{6669A2D2-52A4-331F-AF9F-55E4F6135132}"/>
               </a:ext>
             </a:extLst>
           </p:cNvPr>
@@ -990,7 +990,7 @@
           <p:cNvPr id="3" name="文本占位符 2">
             <a:extLst>
               <a:ext uri="{FF2B5EF4-FFF2-40B4-BE49-F238E27FC236}">
-                <a16:creationId xmlns:a16="http://schemas.microsoft.com/office/drawing/2014/main" id="{5B7CFD96-A3FD-D07B-ADE1-19C336F7CBA8}"/>
+                <a16:creationId xmlns:a16="http://schemas.microsoft.com/office/drawing/2014/main" id="{C2D45352-9FC2-20CD-E550-3BDF4034736A}"/>
               </a:ext>
             </a:extLst>
           </p:cNvPr>
@@ -1115,7 +1115,7 @@
           <p:cNvPr id="4" name="日期占位符 3">
             <a:extLst>
               <a:ext uri="{FF2B5EF4-FFF2-40B4-BE49-F238E27FC236}">
-                <a16:creationId xmlns:a16="http://schemas.microsoft.com/office/drawing/2014/main" id="{9D740ECD-653F-8D0A-6660-A4D9D582A588}"/>
+                <a16:creationId xmlns:a16="http://schemas.microsoft.com/office/drawing/2014/main" id="{F748E929-2F11-18E5-95CD-81AF9672482A}"/>
               </a:ext>
             </a:extLst>
           </p:cNvPr>
@@ -1131,7 +1131,7 @@
           <a:bodyPr/>
           <a:lstStyle/>
           <a:p>
-            <a:fld id="{042716CA-B76C-4B3D-8329-B811686577B1}" type="datetimeFigureOut">
+            <a:fld id="{75CE852E-4A45-4A31-9924-84237ACA0CBB}" type="datetimeFigureOut">
               <a:rPr lang="zh-CN" altLang="en-US" smtClean="0"/>
               <a:t>2024/3/10</a:t>
             </a:fld>
@@ -1144,7 +1144,7 @@
           <p:cNvPr id="5" name="页脚占位符 4">
             <a:extLst>
               <a:ext uri="{FF2B5EF4-FFF2-40B4-BE49-F238E27FC236}">
-                <a16:creationId xmlns:a16="http://schemas.microsoft.com/office/drawing/2014/main" id="{CB12149F-8E47-2B02-1741-E062B652C669}"/>
+                <a16:creationId xmlns:a16="http://schemas.microsoft.com/office/drawing/2014/main" id="{D2F3E35C-A846-A954-DFC5-4C36019C3243}"/>
               </a:ext>
             </a:extLst>
           </p:cNvPr>
@@ -1169,7 +1169,7 @@
           <p:cNvPr id="6" name="灯片编号占位符 5">
             <a:extLst>
               <a:ext uri="{FF2B5EF4-FFF2-40B4-BE49-F238E27FC236}">
-                <a16:creationId xmlns:a16="http://schemas.microsoft.com/office/drawing/2014/main" id="{EF49328D-9CF8-C442-FBEB-75BA711B5D4C}"/>
+                <a16:creationId xmlns:a16="http://schemas.microsoft.com/office/drawing/2014/main" id="{8A846998-A2FD-3487-66BF-6183231404DF}"/>
               </a:ext>
             </a:extLst>
           </p:cNvPr>
@@ -1185,7 +1185,7 @@
           <a:bodyPr/>
           <a:lstStyle/>
           <a:p>
-            <a:fld id="{E4F4E23A-B713-4898-96D1-8900DE3685B0}" type="slidenum">
+            <a:fld id="{9935C02F-4C42-4A09-BE77-F60F054A4BE6}" type="slidenum">
               <a:rPr lang="zh-CN" altLang="en-US" smtClean="0"/>
               <a:t>‹#›</a:t>
             </a:fld>
@@ -1196,7 +1196,7 @@
     </p:spTree>
     <p:extLst>
       <p:ext uri="{BB962C8B-B14F-4D97-AF65-F5344CB8AC3E}">
-        <p14:creationId xmlns:p14="http://schemas.microsoft.com/office/powerpoint/2010/main" val="4201072531"/>
+        <p14:creationId xmlns:p14="http://schemas.microsoft.com/office/powerpoint/2010/main" val="4184924172"/>
       </p:ext>
     </p:extLst>
   </p:cSld>
@@ -1228,7 +1228,7 @@
           <p:cNvPr id="2" name="标题 1">
             <a:extLst>
               <a:ext uri="{FF2B5EF4-FFF2-40B4-BE49-F238E27FC236}">
-                <a16:creationId xmlns:a16="http://schemas.microsoft.com/office/drawing/2014/main" id="{9EAC8599-D569-D345-FA0D-429E3533BE6B}"/>
+                <a16:creationId xmlns:a16="http://schemas.microsoft.com/office/drawing/2014/main" id="{F71B0108-7F31-9CE0-8156-1F64185BB7B1}"/>
               </a:ext>
             </a:extLst>
           </p:cNvPr>
@@ -1256,7 +1256,7 @@
           <p:cNvPr id="3" name="内容占位符 2">
             <a:extLst>
               <a:ext uri="{FF2B5EF4-FFF2-40B4-BE49-F238E27FC236}">
-                <a16:creationId xmlns:a16="http://schemas.microsoft.com/office/drawing/2014/main" id="{70A9E3B4-46ED-00DB-6322-E71F255A5448}"/>
+                <a16:creationId xmlns:a16="http://schemas.microsoft.com/office/drawing/2014/main" id="{24A836B0-6E05-485B-6414-BD579580FDA9}"/>
               </a:ext>
             </a:extLst>
           </p:cNvPr>
@@ -1318,7 +1318,7 @@
           <p:cNvPr id="4" name="内容占位符 3">
             <a:extLst>
               <a:ext uri="{FF2B5EF4-FFF2-40B4-BE49-F238E27FC236}">
-                <a16:creationId xmlns:a16="http://schemas.microsoft.com/office/drawing/2014/main" id="{F2E3680F-82FA-5AEB-6248-22AEE7B6D375}"/>
+                <a16:creationId xmlns:a16="http://schemas.microsoft.com/office/drawing/2014/main" id="{D26100C3-0818-5252-FADB-65354EE59CD7}"/>
               </a:ext>
             </a:extLst>
           </p:cNvPr>
@@ -1380,7 +1380,7 @@
           <p:cNvPr id="5" name="日期占位符 4">
             <a:extLst>
               <a:ext uri="{FF2B5EF4-FFF2-40B4-BE49-F238E27FC236}">
-                <a16:creationId xmlns:a16="http://schemas.microsoft.com/office/drawing/2014/main" id="{DF4BFD38-571E-8766-B68D-4A709DC93FA9}"/>
+                <a16:creationId xmlns:a16="http://schemas.microsoft.com/office/drawing/2014/main" id="{C24E25F4-3723-C3D6-B974-E61CE7681130}"/>
               </a:ext>
             </a:extLst>
           </p:cNvPr>
@@ -1396,7 +1396,7 @@
           <a:bodyPr/>
           <a:lstStyle/>
           <a:p>
-            <a:fld id="{042716CA-B76C-4B3D-8329-B811686577B1}" type="datetimeFigureOut">
+            <a:fld id="{75CE852E-4A45-4A31-9924-84237ACA0CBB}" type="datetimeFigureOut">
               <a:rPr lang="zh-CN" altLang="en-US" smtClean="0"/>
               <a:t>2024/3/10</a:t>
             </a:fld>
@@ -1409,7 +1409,7 @@
           <p:cNvPr id="6" name="页脚占位符 5">
             <a:extLst>
               <a:ext uri="{FF2B5EF4-FFF2-40B4-BE49-F238E27FC236}">
-                <a16:creationId xmlns:a16="http://schemas.microsoft.com/office/drawing/2014/main" id="{EEF0DAA2-8307-4F54-28FB-017980EA9A89}"/>
+                <a16:creationId xmlns:a16="http://schemas.microsoft.com/office/drawing/2014/main" id="{B7554266-135E-320B-6DFA-65E272870C1A}"/>
               </a:ext>
             </a:extLst>
           </p:cNvPr>
@@ -1434,7 +1434,7 @@
           <p:cNvPr id="7" name="灯片编号占位符 6">
             <a:extLst>
               <a:ext uri="{FF2B5EF4-FFF2-40B4-BE49-F238E27FC236}">
-                <a16:creationId xmlns:a16="http://schemas.microsoft.com/office/drawing/2014/main" id="{D7544833-CA40-D237-BCB0-A15A98DBF623}"/>
+                <a16:creationId xmlns:a16="http://schemas.microsoft.com/office/drawing/2014/main" id="{958F04F7-E066-E638-CCDD-DD77B9A62776}"/>
               </a:ext>
             </a:extLst>
           </p:cNvPr>
@@ -1450,7 +1450,7 @@
           <a:bodyPr/>
           <a:lstStyle/>
           <a:p>
-            <a:fld id="{E4F4E23A-B713-4898-96D1-8900DE3685B0}" type="slidenum">
+            <a:fld id="{9935C02F-4C42-4A09-BE77-F60F054A4BE6}" type="slidenum">
               <a:rPr lang="zh-CN" altLang="en-US" smtClean="0"/>
               <a:t>‹#›</a:t>
             </a:fld>
@@ -1461,7 +1461,7 @@
     </p:spTree>
     <p:extLst>
       <p:ext uri="{BB962C8B-B14F-4D97-AF65-F5344CB8AC3E}">
-        <p14:creationId xmlns:p14="http://schemas.microsoft.com/office/powerpoint/2010/main" val="2113909840"/>
+        <p14:creationId xmlns:p14="http://schemas.microsoft.com/office/powerpoint/2010/main" val="1106320738"/>
       </p:ext>
     </p:extLst>
   </p:cSld>
@@ -1493,7 +1493,7 @@
           <p:cNvPr id="2" name="标题 1">
             <a:extLst>
               <a:ext uri="{FF2B5EF4-FFF2-40B4-BE49-F238E27FC236}">
-                <a16:creationId xmlns:a16="http://schemas.microsoft.com/office/drawing/2014/main" id="{EDD2D91F-A121-5F5F-1561-E05403F72F01}"/>
+                <a16:creationId xmlns:a16="http://schemas.microsoft.com/office/drawing/2014/main" id="{36A1FF38-2B92-F4CE-08F7-805C5C493CD0}"/>
               </a:ext>
             </a:extLst>
           </p:cNvPr>
@@ -1526,7 +1526,7 @@
           <p:cNvPr id="3" name="文本占位符 2">
             <a:extLst>
               <a:ext uri="{FF2B5EF4-FFF2-40B4-BE49-F238E27FC236}">
-                <a16:creationId xmlns:a16="http://schemas.microsoft.com/office/drawing/2014/main" id="{D9550319-E754-793B-0D2B-D438CD37D117}"/>
+                <a16:creationId xmlns:a16="http://schemas.microsoft.com/office/drawing/2014/main" id="{95A547C4-E030-D765-8883-15FCAEDF29A4}"/>
               </a:ext>
             </a:extLst>
           </p:cNvPr>
@@ -1597,7 +1597,7 @@
           <p:cNvPr id="4" name="内容占位符 3">
             <a:extLst>
               <a:ext uri="{FF2B5EF4-FFF2-40B4-BE49-F238E27FC236}">
-                <a16:creationId xmlns:a16="http://schemas.microsoft.com/office/drawing/2014/main" id="{07383F43-670E-3A93-8FA9-5E7E4E066C07}"/>
+                <a16:creationId xmlns:a16="http://schemas.microsoft.com/office/drawing/2014/main" id="{76CCEF64-5205-9435-0496-DC24C4DB2968}"/>
               </a:ext>
             </a:extLst>
           </p:cNvPr>
@@ -1659,7 +1659,7 @@
           <p:cNvPr id="5" name="文本占位符 4">
             <a:extLst>
               <a:ext uri="{FF2B5EF4-FFF2-40B4-BE49-F238E27FC236}">
-                <a16:creationId xmlns:a16="http://schemas.microsoft.com/office/drawing/2014/main" id="{83F1DF40-79B9-2625-DEA6-952952ABC35C}"/>
+                <a16:creationId xmlns:a16="http://schemas.microsoft.com/office/drawing/2014/main" id="{EA097B5B-AB28-8615-E9B6-7DF8D3207D07}"/>
               </a:ext>
             </a:extLst>
           </p:cNvPr>
@@ -1730,7 +1730,7 @@
           <p:cNvPr id="6" name="内容占位符 5">
             <a:extLst>
               <a:ext uri="{FF2B5EF4-FFF2-40B4-BE49-F238E27FC236}">
-                <a16:creationId xmlns:a16="http://schemas.microsoft.com/office/drawing/2014/main" id="{7A5E0279-6B50-E583-BC5E-E355FDADB6C2}"/>
+                <a16:creationId xmlns:a16="http://schemas.microsoft.com/office/drawing/2014/main" id="{9AD4C955-5914-7492-89F7-2766FFF95F86}"/>
               </a:ext>
             </a:extLst>
           </p:cNvPr>
@@ -1792,7 +1792,7 @@
           <p:cNvPr id="7" name="日期占位符 6">
             <a:extLst>
               <a:ext uri="{FF2B5EF4-FFF2-40B4-BE49-F238E27FC236}">
-                <a16:creationId xmlns:a16="http://schemas.microsoft.com/office/drawing/2014/main" id="{12DC46D0-D5AC-2819-5E77-7235BE9838DD}"/>
+                <a16:creationId xmlns:a16="http://schemas.microsoft.com/office/drawing/2014/main" id="{224FC500-ACD4-2C3E-9389-B08D61B535B9}"/>
               </a:ext>
             </a:extLst>
           </p:cNvPr>
@@ -1808,7 +1808,7 @@
           <a:bodyPr/>
           <a:lstStyle/>
           <a:p>
-            <a:fld id="{042716CA-B76C-4B3D-8329-B811686577B1}" type="datetimeFigureOut">
+            <a:fld id="{75CE852E-4A45-4A31-9924-84237ACA0CBB}" type="datetimeFigureOut">
               <a:rPr lang="zh-CN" altLang="en-US" smtClean="0"/>
               <a:t>2024/3/10</a:t>
             </a:fld>
@@ -1821,7 +1821,7 @@
           <p:cNvPr id="8" name="页脚占位符 7">
             <a:extLst>
               <a:ext uri="{FF2B5EF4-FFF2-40B4-BE49-F238E27FC236}">
-                <a16:creationId xmlns:a16="http://schemas.microsoft.com/office/drawing/2014/main" id="{D294BD0C-57F7-303B-A809-752C7BB205B8}"/>
+                <a16:creationId xmlns:a16="http://schemas.microsoft.com/office/drawing/2014/main" id="{11C9A408-1622-30FE-728D-88A4C3B89C51}"/>
               </a:ext>
             </a:extLst>
           </p:cNvPr>
@@ -1846,7 +1846,7 @@
           <p:cNvPr id="9" name="灯片编号占位符 8">
             <a:extLst>
               <a:ext uri="{FF2B5EF4-FFF2-40B4-BE49-F238E27FC236}">
-                <a16:creationId xmlns:a16="http://schemas.microsoft.com/office/drawing/2014/main" id="{C66AEB28-5AE1-54CC-5AA8-180FA268811D}"/>
+                <a16:creationId xmlns:a16="http://schemas.microsoft.com/office/drawing/2014/main" id="{06194AB8-C4BA-4498-93DF-5E622A7E9C43}"/>
               </a:ext>
             </a:extLst>
           </p:cNvPr>
@@ -1862,7 +1862,7 @@
           <a:bodyPr/>
           <a:lstStyle/>
           <a:p>
-            <a:fld id="{E4F4E23A-B713-4898-96D1-8900DE3685B0}" type="slidenum">
+            <a:fld id="{9935C02F-4C42-4A09-BE77-F60F054A4BE6}" type="slidenum">
               <a:rPr lang="zh-CN" altLang="en-US" smtClean="0"/>
               <a:t>‹#›</a:t>
             </a:fld>
@@ -1873,7 +1873,7 @@
     </p:spTree>
     <p:extLst>
       <p:ext uri="{BB962C8B-B14F-4D97-AF65-F5344CB8AC3E}">
-        <p14:creationId xmlns:p14="http://schemas.microsoft.com/office/powerpoint/2010/main" val="1428526458"/>
+        <p14:creationId xmlns:p14="http://schemas.microsoft.com/office/powerpoint/2010/main" val="1655654723"/>
       </p:ext>
     </p:extLst>
   </p:cSld>
@@ -1905,7 +1905,7 @@
           <p:cNvPr id="2" name="标题 1">
             <a:extLst>
               <a:ext uri="{FF2B5EF4-FFF2-40B4-BE49-F238E27FC236}">
-                <a16:creationId xmlns:a16="http://schemas.microsoft.com/office/drawing/2014/main" id="{8B2A2A61-E79B-579F-8C0D-0EA04AF2313E}"/>
+                <a16:creationId xmlns:a16="http://schemas.microsoft.com/office/drawing/2014/main" id="{1F030540-BFC6-3223-6E8A-F193CA360B37}"/>
               </a:ext>
             </a:extLst>
           </p:cNvPr>
@@ -1933,7 +1933,7 @@
           <p:cNvPr id="3" name="日期占位符 2">
             <a:extLst>
               <a:ext uri="{FF2B5EF4-FFF2-40B4-BE49-F238E27FC236}">
-                <a16:creationId xmlns:a16="http://schemas.microsoft.com/office/drawing/2014/main" id="{080A03DB-042A-D68A-4628-18058E0ABE7A}"/>
+                <a16:creationId xmlns:a16="http://schemas.microsoft.com/office/drawing/2014/main" id="{E5683479-D382-D022-2ED1-6AAD0FD95B86}"/>
               </a:ext>
             </a:extLst>
           </p:cNvPr>
@@ -1949,7 +1949,7 @@
           <a:bodyPr/>
           <a:lstStyle/>
           <a:p>
-            <a:fld id="{042716CA-B76C-4B3D-8329-B811686577B1}" type="datetimeFigureOut">
+            <a:fld id="{75CE852E-4A45-4A31-9924-84237ACA0CBB}" type="datetimeFigureOut">
               <a:rPr lang="zh-CN" altLang="en-US" smtClean="0"/>
               <a:t>2024/3/10</a:t>
             </a:fld>
@@ -1962,7 +1962,7 @@
           <p:cNvPr id="4" name="页脚占位符 3">
             <a:extLst>
               <a:ext uri="{FF2B5EF4-FFF2-40B4-BE49-F238E27FC236}">
-                <a16:creationId xmlns:a16="http://schemas.microsoft.com/office/drawing/2014/main" id="{13B2B88C-D48B-3BAA-6F16-4A732984B9CF}"/>
+                <a16:creationId xmlns:a16="http://schemas.microsoft.com/office/drawing/2014/main" id="{94ACD4EA-39B2-EEBB-1BC2-B2883C4E7E9C}"/>
               </a:ext>
             </a:extLst>
           </p:cNvPr>
@@ -1987,7 +1987,7 @@
           <p:cNvPr id="5" name="灯片编号占位符 4">
             <a:extLst>
               <a:ext uri="{FF2B5EF4-FFF2-40B4-BE49-F238E27FC236}">
-                <a16:creationId xmlns:a16="http://schemas.microsoft.com/office/drawing/2014/main" id="{B598E73F-690D-59DD-4CCC-DDD1359FBF60}"/>
+                <a16:creationId xmlns:a16="http://schemas.microsoft.com/office/drawing/2014/main" id="{8B1DAE1A-F5DF-ED29-3760-9C2050080646}"/>
               </a:ext>
             </a:extLst>
           </p:cNvPr>
@@ -2003,7 +2003,7 @@
           <a:bodyPr/>
           <a:lstStyle/>
           <a:p>
-            <a:fld id="{E4F4E23A-B713-4898-96D1-8900DE3685B0}" type="slidenum">
+            <a:fld id="{9935C02F-4C42-4A09-BE77-F60F054A4BE6}" type="slidenum">
               <a:rPr lang="zh-CN" altLang="en-US" smtClean="0"/>
               <a:t>‹#›</a:t>
             </a:fld>
@@ -2014,7 +2014,7 @@
     </p:spTree>
     <p:extLst>
       <p:ext uri="{BB962C8B-B14F-4D97-AF65-F5344CB8AC3E}">
-        <p14:creationId xmlns:p14="http://schemas.microsoft.com/office/powerpoint/2010/main" val="1594449090"/>
+        <p14:creationId xmlns:p14="http://schemas.microsoft.com/office/powerpoint/2010/main" val="1470303602"/>
       </p:ext>
     </p:extLst>
   </p:cSld>
@@ -2046,7 +2046,7 @@
           <p:cNvPr id="2" name="日期占位符 1">
             <a:extLst>
               <a:ext uri="{FF2B5EF4-FFF2-40B4-BE49-F238E27FC236}">
-                <a16:creationId xmlns:a16="http://schemas.microsoft.com/office/drawing/2014/main" id="{E4F51728-B63E-8981-25FD-D80882424A49}"/>
+                <a16:creationId xmlns:a16="http://schemas.microsoft.com/office/drawing/2014/main" id="{DD3887E8-66BD-D077-930A-2E9CE00A76DC}"/>
               </a:ext>
             </a:extLst>
           </p:cNvPr>
@@ -2062,7 +2062,7 @@
           <a:bodyPr/>
           <a:lstStyle/>
           <a:p>
-            <a:fld id="{042716CA-B76C-4B3D-8329-B811686577B1}" type="datetimeFigureOut">
+            <a:fld id="{75CE852E-4A45-4A31-9924-84237ACA0CBB}" type="datetimeFigureOut">
               <a:rPr lang="zh-CN" altLang="en-US" smtClean="0"/>
               <a:t>2024/3/10</a:t>
             </a:fld>
@@ -2075,7 +2075,7 @@
           <p:cNvPr id="3" name="页脚占位符 2">
             <a:extLst>
               <a:ext uri="{FF2B5EF4-FFF2-40B4-BE49-F238E27FC236}">
-                <a16:creationId xmlns:a16="http://schemas.microsoft.com/office/drawing/2014/main" id="{927B9C2F-5E7B-32CD-1CE6-06F89E3819C1}"/>
+                <a16:creationId xmlns:a16="http://schemas.microsoft.com/office/drawing/2014/main" id="{83CE665A-4842-8DD5-4A49-5FFCCB3747D9}"/>
               </a:ext>
             </a:extLst>
           </p:cNvPr>
@@ -2100,7 +2100,7 @@
           <p:cNvPr id="4" name="灯片编号占位符 3">
             <a:extLst>
               <a:ext uri="{FF2B5EF4-FFF2-40B4-BE49-F238E27FC236}">
-                <a16:creationId xmlns:a16="http://schemas.microsoft.com/office/drawing/2014/main" id="{C31F807B-5A8A-EDAA-7480-FDCCB58D9579}"/>
+                <a16:creationId xmlns:a16="http://schemas.microsoft.com/office/drawing/2014/main" id="{D90C14AA-EC54-EEAB-B70E-96A65ACDEDB3}"/>
               </a:ext>
             </a:extLst>
           </p:cNvPr>
@@ -2116,7 +2116,7 @@
           <a:bodyPr/>
           <a:lstStyle/>
           <a:p>
-            <a:fld id="{E4F4E23A-B713-4898-96D1-8900DE3685B0}" type="slidenum">
+            <a:fld id="{9935C02F-4C42-4A09-BE77-F60F054A4BE6}" type="slidenum">
               <a:rPr lang="zh-CN" altLang="en-US" smtClean="0"/>
               <a:t>‹#›</a:t>
             </a:fld>
@@ -2127,7 +2127,7 @@
     </p:spTree>
     <p:extLst>
       <p:ext uri="{BB962C8B-B14F-4D97-AF65-F5344CB8AC3E}">
-        <p14:creationId xmlns:p14="http://schemas.microsoft.com/office/powerpoint/2010/main" val="113540820"/>
+        <p14:creationId xmlns:p14="http://schemas.microsoft.com/office/powerpoint/2010/main" val="3025635755"/>
       </p:ext>
     </p:extLst>
   </p:cSld>
@@ -2159,7 +2159,7 @@
           <p:cNvPr id="2" name="标题 1">
             <a:extLst>
               <a:ext uri="{FF2B5EF4-FFF2-40B4-BE49-F238E27FC236}">
-                <a16:creationId xmlns:a16="http://schemas.microsoft.com/office/drawing/2014/main" id="{EAE3DE7D-4E7E-078B-6460-AE61763ADFF2}"/>
+                <a16:creationId xmlns:a16="http://schemas.microsoft.com/office/drawing/2014/main" id="{FF470A66-8CDD-CB0C-5AF1-78708E28951B}"/>
               </a:ext>
             </a:extLst>
           </p:cNvPr>
@@ -2196,7 +2196,7 @@
           <p:cNvPr id="3" name="内容占位符 2">
             <a:extLst>
               <a:ext uri="{FF2B5EF4-FFF2-40B4-BE49-F238E27FC236}">
-                <a16:creationId xmlns:a16="http://schemas.microsoft.com/office/drawing/2014/main" id="{A6155460-6F1C-3B00-B7C9-FC3104FD0FBF}"/>
+                <a16:creationId xmlns:a16="http://schemas.microsoft.com/office/drawing/2014/main" id="{940EA8B7-9B9B-9A19-8468-7E6397D856F3}"/>
               </a:ext>
             </a:extLst>
           </p:cNvPr>
@@ -2286,7 +2286,7 @@
           <p:cNvPr id="4" name="文本占位符 3">
             <a:extLst>
               <a:ext uri="{FF2B5EF4-FFF2-40B4-BE49-F238E27FC236}">
-                <a16:creationId xmlns:a16="http://schemas.microsoft.com/office/drawing/2014/main" id="{CEB4241A-5A6E-8AB0-156E-46CE7EFD9FEB}"/>
+                <a16:creationId xmlns:a16="http://schemas.microsoft.com/office/drawing/2014/main" id="{B9FB1459-99A9-299A-C77B-58822528D27D}"/>
               </a:ext>
             </a:extLst>
           </p:cNvPr>
@@ -2357,7 +2357,7 @@
           <p:cNvPr id="5" name="日期占位符 4">
             <a:extLst>
               <a:ext uri="{FF2B5EF4-FFF2-40B4-BE49-F238E27FC236}">
-                <a16:creationId xmlns:a16="http://schemas.microsoft.com/office/drawing/2014/main" id="{87EF95FC-74A9-C646-E4D3-D57DACA370EE}"/>
+                <a16:creationId xmlns:a16="http://schemas.microsoft.com/office/drawing/2014/main" id="{73FA8B74-E9EB-C4F6-B3F4-F0753351FE63}"/>
               </a:ext>
             </a:extLst>
           </p:cNvPr>
@@ -2373,7 +2373,7 @@
           <a:bodyPr/>
           <a:lstStyle/>
           <a:p>
-            <a:fld id="{042716CA-B76C-4B3D-8329-B811686577B1}" type="datetimeFigureOut">
+            <a:fld id="{75CE852E-4A45-4A31-9924-84237ACA0CBB}" type="datetimeFigureOut">
               <a:rPr lang="zh-CN" altLang="en-US" smtClean="0"/>
               <a:t>2024/3/10</a:t>
             </a:fld>
@@ -2386,7 +2386,7 @@
           <p:cNvPr id="6" name="页脚占位符 5">
             <a:extLst>
               <a:ext uri="{FF2B5EF4-FFF2-40B4-BE49-F238E27FC236}">
-                <a16:creationId xmlns:a16="http://schemas.microsoft.com/office/drawing/2014/main" id="{BA4CDB7C-ACD2-31FA-D6D1-CA6E39BBFDE6}"/>
+                <a16:creationId xmlns:a16="http://schemas.microsoft.com/office/drawing/2014/main" id="{BAD4365E-4C44-11F4-B80A-3034036E7E32}"/>
               </a:ext>
             </a:extLst>
           </p:cNvPr>
@@ -2411,7 +2411,7 @@
           <p:cNvPr id="7" name="灯片编号占位符 6">
             <a:extLst>
               <a:ext uri="{FF2B5EF4-FFF2-40B4-BE49-F238E27FC236}">
-                <a16:creationId xmlns:a16="http://schemas.microsoft.com/office/drawing/2014/main" id="{1C6623D2-DF35-6FF2-274A-7911CF11B069}"/>
+                <a16:creationId xmlns:a16="http://schemas.microsoft.com/office/drawing/2014/main" id="{7AEE45C0-510A-C86C-F7DE-E4915907540C}"/>
               </a:ext>
             </a:extLst>
           </p:cNvPr>
@@ -2427,7 +2427,7 @@
           <a:bodyPr/>
           <a:lstStyle/>
           <a:p>
-            <a:fld id="{E4F4E23A-B713-4898-96D1-8900DE3685B0}" type="slidenum">
+            <a:fld id="{9935C02F-4C42-4A09-BE77-F60F054A4BE6}" type="slidenum">
               <a:rPr lang="zh-CN" altLang="en-US" smtClean="0"/>
               <a:t>‹#›</a:t>
             </a:fld>
@@ -2438,7 +2438,7 @@
     </p:spTree>
     <p:extLst>
       <p:ext uri="{BB962C8B-B14F-4D97-AF65-F5344CB8AC3E}">
-        <p14:creationId xmlns:p14="http://schemas.microsoft.com/office/powerpoint/2010/main" val="3596933662"/>
+        <p14:creationId xmlns:p14="http://schemas.microsoft.com/office/powerpoint/2010/main" val="4068458736"/>
       </p:ext>
     </p:extLst>
   </p:cSld>
@@ -2470,7 +2470,7 @@
           <p:cNvPr id="2" name="标题 1">
             <a:extLst>
               <a:ext uri="{FF2B5EF4-FFF2-40B4-BE49-F238E27FC236}">
-                <a16:creationId xmlns:a16="http://schemas.microsoft.com/office/drawing/2014/main" id="{4F663E1D-7A32-6B55-619C-818C4F7F1BB8}"/>
+                <a16:creationId xmlns:a16="http://schemas.microsoft.com/office/drawing/2014/main" id="{11DB874D-7A13-DDB2-4351-05B39B8655A3}"/>
               </a:ext>
             </a:extLst>
           </p:cNvPr>
@@ -2507,7 +2507,7 @@
           <p:cNvPr id="3" name="图片占位符 2">
             <a:extLst>
               <a:ext uri="{FF2B5EF4-FFF2-40B4-BE49-F238E27FC236}">
-                <a16:creationId xmlns:a16="http://schemas.microsoft.com/office/drawing/2014/main" id="{388F1964-F97F-7BAA-B8E7-B5BC991D4A3E}"/>
+                <a16:creationId xmlns:a16="http://schemas.microsoft.com/office/drawing/2014/main" id="{6C726687-B201-6F6F-AA84-2351A73C2425}"/>
               </a:ext>
             </a:extLst>
           </p:cNvPr>
@@ -2574,7 +2574,7 @@
           <p:cNvPr id="4" name="文本占位符 3">
             <a:extLst>
               <a:ext uri="{FF2B5EF4-FFF2-40B4-BE49-F238E27FC236}">
-                <a16:creationId xmlns:a16="http://schemas.microsoft.com/office/drawing/2014/main" id="{C107CA11-CDE8-16DD-3EF6-D3497BAD0911}"/>
+                <a16:creationId xmlns:a16="http://schemas.microsoft.com/office/drawing/2014/main" id="{9F6150DD-7AE8-DA83-6006-A9CB4A0996C1}"/>
               </a:ext>
             </a:extLst>
           </p:cNvPr>
@@ -2645,7 +2645,7 @@
           <p:cNvPr id="5" name="日期占位符 4">
             <a:extLst>
               <a:ext uri="{FF2B5EF4-FFF2-40B4-BE49-F238E27FC236}">
-                <a16:creationId xmlns:a16="http://schemas.microsoft.com/office/drawing/2014/main" id="{F85416F9-8857-D7A1-B0B2-AE9499AD3CB7}"/>
+                <a16:creationId xmlns:a16="http://schemas.microsoft.com/office/drawing/2014/main" id="{644A2716-01AF-5FAE-5AFA-887D6D7BA940}"/>
               </a:ext>
             </a:extLst>
           </p:cNvPr>
@@ -2661,7 +2661,7 @@
           <a:bodyPr/>
           <a:lstStyle/>
           <a:p>
-            <a:fld id="{042716CA-B76C-4B3D-8329-B811686577B1}" type="datetimeFigureOut">
+            <a:fld id="{75CE852E-4A45-4A31-9924-84237ACA0CBB}" type="datetimeFigureOut">
               <a:rPr lang="zh-CN" altLang="en-US" smtClean="0"/>
               <a:t>2024/3/10</a:t>
             </a:fld>
@@ -2674,7 +2674,7 @@
           <p:cNvPr id="6" name="页脚占位符 5">
             <a:extLst>
               <a:ext uri="{FF2B5EF4-FFF2-40B4-BE49-F238E27FC236}">
-                <a16:creationId xmlns:a16="http://schemas.microsoft.com/office/drawing/2014/main" id="{7E5C0F1F-D2CC-00F4-21DC-1114574475E2}"/>
+                <a16:creationId xmlns:a16="http://schemas.microsoft.com/office/drawing/2014/main" id="{CC0D3DA0-0054-9FC0-49FF-7A1E19073695}"/>
               </a:ext>
             </a:extLst>
           </p:cNvPr>
@@ -2699,7 +2699,7 @@
           <p:cNvPr id="7" name="灯片编号占位符 6">
             <a:extLst>
               <a:ext uri="{FF2B5EF4-FFF2-40B4-BE49-F238E27FC236}">
-                <a16:creationId xmlns:a16="http://schemas.microsoft.com/office/drawing/2014/main" id="{01F18AC4-A4FF-E491-F020-A427346C5BD8}"/>
+                <a16:creationId xmlns:a16="http://schemas.microsoft.com/office/drawing/2014/main" id="{4BBD9A48-D53D-1728-949F-19B3B9F32566}"/>
               </a:ext>
             </a:extLst>
           </p:cNvPr>
@@ -2715,7 +2715,7 @@
           <a:bodyPr/>
           <a:lstStyle/>
           <a:p>
-            <a:fld id="{E4F4E23A-B713-4898-96D1-8900DE3685B0}" type="slidenum">
+            <a:fld id="{9935C02F-4C42-4A09-BE77-F60F054A4BE6}" type="slidenum">
               <a:rPr lang="zh-CN" altLang="en-US" smtClean="0"/>
               <a:t>‹#›</a:t>
             </a:fld>
@@ -2726,7 +2726,7 @@
     </p:spTree>
     <p:extLst>
       <p:ext uri="{BB962C8B-B14F-4D97-AF65-F5344CB8AC3E}">
-        <p14:creationId xmlns:p14="http://schemas.microsoft.com/office/powerpoint/2010/main" val="314196112"/>
+        <p14:creationId xmlns:p14="http://schemas.microsoft.com/office/powerpoint/2010/main" val="1028304088"/>
       </p:ext>
     </p:extLst>
   </p:cSld>
@@ -2763,7 +2763,7 @@
           <p:cNvPr id="2" name="标题占位符 1">
             <a:extLst>
               <a:ext uri="{FF2B5EF4-FFF2-40B4-BE49-F238E27FC236}">
-                <a16:creationId xmlns:a16="http://schemas.microsoft.com/office/drawing/2014/main" id="{B35327E2-E324-5927-974F-FFAAF18B8A27}"/>
+                <a16:creationId xmlns:a16="http://schemas.microsoft.com/office/drawing/2014/main" id="{A485B63F-568E-2D1C-1E04-AB112BE75A11}"/>
               </a:ext>
             </a:extLst>
           </p:cNvPr>
@@ -2801,7 +2801,7 @@
           <p:cNvPr id="3" name="文本占位符 2">
             <a:extLst>
               <a:ext uri="{FF2B5EF4-FFF2-40B4-BE49-F238E27FC236}">
-                <a16:creationId xmlns:a16="http://schemas.microsoft.com/office/drawing/2014/main" id="{1B765093-81C2-245E-C4EF-50011DFEE2A8}"/>
+                <a16:creationId xmlns:a16="http://schemas.microsoft.com/office/drawing/2014/main" id="{7663C411-8A29-36D0-629E-BF55FDDC8026}"/>
               </a:ext>
             </a:extLst>
           </p:cNvPr>
@@ -2868,7 +2868,7 @@
           <p:cNvPr id="4" name="日期占位符 3">
             <a:extLst>
               <a:ext uri="{FF2B5EF4-FFF2-40B4-BE49-F238E27FC236}">
-                <a16:creationId xmlns:a16="http://schemas.microsoft.com/office/drawing/2014/main" id="{79FB3C02-A995-CF90-6BB5-251A2D82054D}"/>
+                <a16:creationId xmlns:a16="http://schemas.microsoft.com/office/drawing/2014/main" id="{E81CA7E4-2F25-EDDA-0089-7A6CAC0A0F60}"/>
               </a:ext>
             </a:extLst>
           </p:cNvPr>
@@ -2902,7 +2902,7 @@
             </a:lvl1pPr>
           </a:lstStyle>
           <a:p>
-            <a:fld id="{042716CA-B76C-4B3D-8329-B811686577B1}" type="datetimeFigureOut">
+            <a:fld id="{75CE852E-4A45-4A31-9924-84237ACA0CBB}" type="datetimeFigureOut">
               <a:rPr lang="zh-CN" altLang="en-US" smtClean="0"/>
               <a:t>2024/3/10</a:t>
             </a:fld>
@@ -2915,7 +2915,7 @@
           <p:cNvPr id="5" name="页脚占位符 4">
             <a:extLst>
               <a:ext uri="{FF2B5EF4-FFF2-40B4-BE49-F238E27FC236}">
-                <a16:creationId xmlns:a16="http://schemas.microsoft.com/office/drawing/2014/main" id="{0DECBAE9-4143-8250-1706-57C330FAE3C7}"/>
+                <a16:creationId xmlns:a16="http://schemas.microsoft.com/office/drawing/2014/main" id="{D3DB1DF0-8DF8-EB08-7518-3F9D0533F0F9}"/>
               </a:ext>
             </a:extLst>
           </p:cNvPr>
@@ -2958,7 +2958,7 @@
           <p:cNvPr id="6" name="灯片编号占位符 5">
             <a:extLst>
               <a:ext uri="{FF2B5EF4-FFF2-40B4-BE49-F238E27FC236}">
-                <a16:creationId xmlns:a16="http://schemas.microsoft.com/office/drawing/2014/main" id="{45378AB4-A02B-723E-F763-D4FDC91FA079}"/>
+                <a16:creationId xmlns:a16="http://schemas.microsoft.com/office/drawing/2014/main" id="{65B0BA12-1614-E973-2466-876FDA0448D7}"/>
               </a:ext>
             </a:extLst>
           </p:cNvPr>
@@ -2992,7 +2992,7 @@
             </a:lvl1pPr>
           </a:lstStyle>
           <a:p>
-            <a:fld id="{E4F4E23A-B713-4898-96D1-8900DE3685B0}" type="slidenum">
+            <a:fld id="{9935C02F-4C42-4A09-BE77-F60F054A4BE6}" type="slidenum">
               <a:rPr lang="zh-CN" altLang="en-US" smtClean="0"/>
               <a:t>‹#›</a:t>
             </a:fld>
@@ -3003,7 +3003,7 @@
     </p:spTree>
     <p:extLst>
       <p:ext uri="{BB962C8B-B14F-4D97-AF65-F5344CB8AC3E}">
-        <p14:creationId xmlns:p14="http://schemas.microsoft.com/office/powerpoint/2010/main" val="1779208894"/>
+        <p14:creationId xmlns:p14="http://schemas.microsoft.com/office/powerpoint/2010/main" val="1563216653"/>
       </p:ext>
     </p:extLst>
   </p:cSld>
